--- a/OOP/Midterm/Week 4/Lecture/Inheritance.pptx
+++ b/OOP/Midterm/Week 4/Lecture/Inheritance.pptx
@@ -385,7 +385,7 @@
           <a:p>
             <a:fld id="{09872B84-9FE1-434E-A2D2-E973C393975E}" type="datetimeFigureOut">
               <a:rPr lang="en-PH" smtClean="0"/>
-              <a:t>9/7/2025</a:t>
+              <a:t>9/17/2025</a:t>
             </a:fld>
             <a:endParaRPr lang="en-PH"/>
           </a:p>
@@ -697,282 +697,6 @@
           <a:bodyPr/>
           <a:lstStyle/>
           <a:p>
-            <a:r>
-              <a:rPr lang="en-US" dirty="0"/>
-              <a:t>&lt;?</a:t>
-            </a:r>
-            <a:r>
-              <a:rPr lang="en-US" dirty="0" err="1"/>
-              <a:t>php</a:t>
-            </a:r>
-            <a:endParaRPr lang="en-US" dirty="0"/>
-          </a:p>
-          <a:p>
-            <a:r>
-              <a:rPr lang="en-US" dirty="0"/>
-              <a:t>class Person {</a:t>
-            </a:r>
-          </a:p>
-          <a:p>
-            <a:r>
-              <a:rPr lang="en-US" dirty="0"/>
-              <a:t>    // Parent attributes</a:t>
-            </a:r>
-          </a:p>
-          <a:p>
-            <a:r>
-              <a:rPr lang="en-US" dirty="0"/>
-              <a:t>    protected $name;</a:t>
-            </a:r>
-          </a:p>
-          <a:p>
-            <a:r>
-              <a:rPr lang="en-US" dirty="0"/>
-              <a:t>    protected $age;</a:t>
-            </a:r>
-          </a:p>
-          <a:p>
-            <a:endParaRPr lang="en-US" dirty="0"/>
-          </a:p>
-          <a:p>
-            <a:r>
-              <a:rPr lang="en-US" dirty="0"/>
-              <a:t>    // Parent constructor</a:t>
-            </a:r>
-          </a:p>
-          <a:p>
-            <a:r>
-              <a:rPr lang="en-US" dirty="0"/>
-              <a:t>    public function __construct($name, $age) {</a:t>
-            </a:r>
-          </a:p>
-          <a:p>
-            <a:r>
-              <a:rPr lang="en-US" dirty="0"/>
-              <a:t>        $this-&gt;name = $name;</a:t>
-            </a:r>
-          </a:p>
-          <a:p>
-            <a:r>
-              <a:rPr lang="en-US" dirty="0"/>
-              <a:t>        $this-&gt;age = $age;</a:t>
-            </a:r>
-          </a:p>
-          <a:p>
-            <a:r>
-              <a:rPr lang="en-US" dirty="0"/>
-              <a:t>    }</a:t>
-            </a:r>
-          </a:p>
-          <a:p>
-            <a:endParaRPr lang="en-US" dirty="0"/>
-          </a:p>
-          <a:p>
-            <a:r>
-              <a:rPr lang="en-US" dirty="0"/>
-              <a:t>    public function </a:t>
-            </a:r>
-            <a:r>
-              <a:rPr lang="en-US" dirty="0" err="1"/>
-              <a:t>displayInfo</a:t>
-            </a:r>
-            <a:r>
-              <a:rPr lang="en-US" dirty="0"/>
-              <a:t>() {</a:t>
-            </a:r>
-          </a:p>
-          <a:p>
-            <a:r>
-              <a:rPr lang="en-US" dirty="0"/>
-              <a:t>        echo "Name: $this-&gt;name, Age: $this-&gt;age\n";</a:t>
-            </a:r>
-          </a:p>
-          <a:p>
-            <a:r>
-              <a:rPr lang="en-US" dirty="0"/>
-              <a:t>    }</a:t>
-            </a:r>
-          </a:p>
-          <a:p>
-            <a:r>
-              <a:rPr lang="en-US" dirty="0"/>
-              <a:t>}</a:t>
-            </a:r>
-          </a:p>
-          <a:p>
-            <a:endParaRPr lang="en-US" dirty="0"/>
-          </a:p>
-          <a:p>
-            <a:r>
-              <a:rPr lang="en-US" dirty="0"/>
-              <a:t>// Child class inherits from Person</a:t>
-            </a:r>
-          </a:p>
-          <a:p>
-            <a:r>
-              <a:rPr lang="en-US" dirty="0"/>
-              <a:t>class Student extends Person {</a:t>
-            </a:r>
-          </a:p>
-          <a:p>
-            <a:r>
-              <a:rPr lang="en-US" dirty="0"/>
-              <a:t>    private $</a:t>
-            </a:r>
-            <a:r>
-              <a:rPr lang="en-US" dirty="0" err="1"/>
-              <a:t>studentID</a:t>
-            </a:r>
-            <a:r>
-              <a:rPr lang="en-US" dirty="0"/>
-              <a:t>;</a:t>
-            </a:r>
-          </a:p>
-          <a:p>
-            <a:endParaRPr lang="en-US" dirty="0"/>
-          </a:p>
-          <a:p>
-            <a:r>
-              <a:rPr lang="en-US" dirty="0"/>
-              <a:t>    // Child constructor</a:t>
-            </a:r>
-          </a:p>
-          <a:p>
-            <a:r>
-              <a:rPr lang="en-US" dirty="0"/>
-              <a:t>    public function __construct($name, $age, $</a:t>
-            </a:r>
-            <a:r>
-              <a:rPr lang="en-US" dirty="0" err="1"/>
-              <a:t>studentID</a:t>
-            </a:r>
-            <a:r>
-              <a:rPr lang="en-US" dirty="0"/>
-              <a:t>) {</a:t>
-            </a:r>
-          </a:p>
-          <a:p>
-            <a:r>
-              <a:rPr lang="en-US" dirty="0"/>
-              <a:t>        // Call parent constructor</a:t>
-            </a:r>
-          </a:p>
-          <a:p>
-            <a:r>
-              <a:rPr lang="en-US" dirty="0"/>
-              <a:t>        parent::__construct($name, $age);</a:t>
-            </a:r>
-          </a:p>
-          <a:p>
-            <a:r>
-              <a:rPr lang="en-US" dirty="0"/>
-              <a:t>        $this-&gt;</a:t>
-            </a:r>
-            <a:r>
-              <a:rPr lang="en-US" dirty="0" err="1"/>
-              <a:t>studentID</a:t>
-            </a:r>
-            <a:r>
-              <a:rPr lang="en-US" dirty="0"/>
-              <a:t> = $</a:t>
-            </a:r>
-            <a:r>
-              <a:rPr lang="en-US" dirty="0" err="1"/>
-              <a:t>studentID</a:t>
-            </a:r>
-            <a:r>
-              <a:rPr lang="en-US" dirty="0"/>
-              <a:t>;</a:t>
-            </a:r>
-          </a:p>
-          <a:p>
-            <a:r>
-              <a:rPr lang="en-US" dirty="0"/>
-              <a:t>    }</a:t>
-            </a:r>
-          </a:p>
-          <a:p>
-            <a:endParaRPr lang="en-US" dirty="0"/>
-          </a:p>
-          <a:p>
-            <a:r>
-              <a:rPr lang="en-US" dirty="0"/>
-              <a:t>    public function </a:t>
-            </a:r>
-            <a:r>
-              <a:rPr lang="en-US" dirty="0" err="1"/>
-              <a:t>displayStudent</a:t>
-            </a:r>
-            <a:r>
-              <a:rPr lang="en-US" dirty="0"/>
-              <a:t>() {</a:t>
-            </a:r>
-          </a:p>
-          <a:p>
-            <a:r>
-              <a:rPr lang="en-US" dirty="0"/>
-              <a:t>        echo "Name: $this-&gt;name, Age: $this-&gt;age, Student ID: $this-&gt;</a:t>
-            </a:r>
-            <a:r>
-              <a:rPr lang="en-US" dirty="0" err="1"/>
-              <a:t>studentID</a:t>
-            </a:r>
-            <a:r>
-              <a:rPr lang="en-US" dirty="0"/>
-              <a:t>\n";</a:t>
-            </a:r>
-          </a:p>
-          <a:p>
-            <a:r>
-              <a:rPr lang="en-US" dirty="0"/>
-              <a:t>    }</a:t>
-            </a:r>
-          </a:p>
-          <a:p>
-            <a:r>
-              <a:rPr lang="en-US" dirty="0"/>
-              <a:t>}</a:t>
-            </a:r>
-          </a:p>
-          <a:p>
-            <a:endParaRPr lang="en-US" dirty="0"/>
-          </a:p>
-          <a:p>
-            <a:r>
-              <a:rPr lang="en-US" dirty="0"/>
-              <a:t>// Create object of Student</a:t>
-            </a:r>
-          </a:p>
-          <a:p>
-            <a:r>
-              <a:rPr lang="en-US" dirty="0"/>
-              <a:t>$student = new Student("Alice", 20, "S101");</a:t>
-            </a:r>
-          </a:p>
-          <a:p>
-            <a:r>
-              <a:rPr lang="en-US" dirty="0"/>
-              <a:t>$student-&gt;</a:t>
-            </a:r>
-            <a:r>
-              <a:rPr lang="en-US" dirty="0" err="1"/>
-              <a:t>displayStudent</a:t>
-            </a:r>
-            <a:r>
-              <a:rPr lang="en-US" dirty="0"/>
-              <a:t>();</a:t>
-            </a:r>
-          </a:p>
-          <a:p>
-            <a:r>
-              <a:rPr lang="en-US" dirty="0"/>
-              <a:t>?&gt;</a:t>
-            </a:r>
-          </a:p>
-          <a:p>
-            <a:endParaRPr lang="en-US" dirty="0"/>
-          </a:p>
-          <a:p>
             <a:endParaRPr lang="en-US" dirty="0"/>
           </a:p>
         </p:txBody>
@@ -1378,7 +1102,7 @@
           <a:p>
             <a:fld id="{97777D41-A4CA-47AC-B7F9-CEF2233B7831}" type="datetimeFigureOut">
               <a:rPr lang="en-PH" smtClean="0"/>
-              <a:t>9/7/2025</a:t>
+              <a:t>9/17/2025</a:t>
             </a:fld>
             <a:endParaRPr lang="en-PH"/>
           </a:p>
@@ -1578,7 +1302,7 @@
           <a:p>
             <a:fld id="{97777D41-A4CA-47AC-B7F9-CEF2233B7831}" type="datetimeFigureOut">
               <a:rPr lang="en-PH" smtClean="0"/>
-              <a:t>9/7/2025</a:t>
+              <a:t>9/17/2025</a:t>
             </a:fld>
             <a:endParaRPr lang="en-PH"/>
           </a:p>
@@ -1788,7 +1512,7 @@
           <a:p>
             <a:fld id="{97777D41-A4CA-47AC-B7F9-CEF2233B7831}" type="datetimeFigureOut">
               <a:rPr lang="en-PH" smtClean="0"/>
-              <a:t>9/7/2025</a:t>
+              <a:t>9/17/2025</a:t>
             </a:fld>
             <a:endParaRPr lang="en-PH"/>
           </a:p>
@@ -1988,7 +1712,7 @@
           <a:p>
             <a:fld id="{97777D41-A4CA-47AC-B7F9-CEF2233B7831}" type="datetimeFigureOut">
               <a:rPr lang="en-PH" smtClean="0"/>
-              <a:t>9/7/2025</a:t>
+              <a:t>9/17/2025</a:t>
             </a:fld>
             <a:endParaRPr lang="en-PH"/>
           </a:p>
@@ -2264,7 +1988,7 @@
           <a:p>
             <a:fld id="{97777D41-A4CA-47AC-B7F9-CEF2233B7831}" type="datetimeFigureOut">
               <a:rPr lang="en-PH" smtClean="0"/>
-              <a:t>9/7/2025</a:t>
+              <a:t>9/17/2025</a:t>
             </a:fld>
             <a:endParaRPr lang="en-PH"/>
           </a:p>
@@ -2532,7 +2256,7 @@
           <a:p>
             <a:fld id="{97777D41-A4CA-47AC-B7F9-CEF2233B7831}" type="datetimeFigureOut">
               <a:rPr lang="en-PH" smtClean="0"/>
-              <a:t>9/7/2025</a:t>
+              <a:t>9/17/2025</a:t>
             </a:fld>
             <a:endParaRPr lang="en-PH"/>
           </a:p>
@@ -2947,7 +2671,7 @@
           <a:p>
             <a:fld id="{97777D41-A4CA-47AC-B7F9-CEF2233B7831}" type="datetimeFigureOut">
               <a:rPr lang="en-PH" smtClean="0"/>
-              <a:t>9/7/2025</a:t>
+              <a:t>9/17/2025</a:t>
             </a:fld>
             <a:endParaRPr lang="en-PH"/>
           </a:p>
@@ -3089,7 +2813,7 @@
           <a:p>
             <a:fld id="{97777D41-A4CA-47AC-B7F9-CEF2233B7831}" type="datetimeFigureOut">
               <a:rPr lang="en-PH" smtClean="0"/>
-              <a:t>9/7/2025</a:t>
+              <a:t>9/17/2025</a:t>
             </a:fld>
             <a:endParaRPr lang="en-PH"/>
           </a:p>
@@ -3202,7 +2926,7 @@
           <a:p>
             <a:fld id="{97777D41-A4CA-47AC-B7F9-CEF2233B7831}" type="datetimeFigureOut">
               <a:rPr lang="en-PH" smtClean="0"/>
-              <a:t>9/7/2025</a:t>
+              <a:t>9/17/2025</a:t>
             </a:fld>
             <a:endParaRPr lang="en-PH"/>
           </a:p>
@@ -3515,7 +3239,7 @@
           <a:p>
             <a:fld id="{97777D41-A4CA-47AC-B7F9-CEF2233B7831}" type="datetimeFigureOut">
               <a:rPr lang="en-PH" smtClean="0"/>
-              <a:t>9/7/2025</a:t>
+              <a:t>9/17/2025</a:t>
             </a:fld>
             <a:endParaRPr lang="en-PH"/>
           </a:p>
@@ -3804,7 +3528,7 @@
           <a:p>
             <a:fld id="{97777D41-A4CA-47AC-B7F9-CEF2233B7831}" type="datetimeFigureOut">
               <a:rPr lang="en-PH" smtClean="0"/>
-              <a:t>9/7/2025</a:t>
+              <a:t>9/17/2025</a:t>
             </a:fld>
             <a:endParaRPr lang="en-PH"/>
           </a:p>
@@ -4047,7 +3771,7 @@
           <a:p>
             <a:fld id="{97777D41-A4CA-47AC-B7F9-CEF2233B7831}" type="datetimeFigureOut">
               <a:rPr lang="en-PH" smtClean="0"/>
-              <a:t>9/7/2025</a:t>
+              <a:t>9/17/2025</a:t>
             </a:fld>
             <a:endParaRPr lang="en-PH"/>
           </a:p>
